--- a/PresentationPPT/WellScanPresentation.pptx
+++ b/PresentationPPT/WellScanPresentation.pptx
@@ -16156,6 +16156,518 @@
   <p:clrMapOvr>
     <a:masterClrMapping/>
   </p:clrMapOvr>
+  <p:timing>
+    <p:tnLst>
+      <p:par>
+        <p:cTn id="1" dur="indefinite" restart="never" nodeType="tmRoot">
+          <p:childTnLst>
+            <p:seq concurrent="1" nextAc="seek">
+              <p:cTn id="2" dur="indefinite" nodeType="mainSeq">
+                <p:childTnLst>
+                  <p:par>
+                    <p:cTn id="3" fill="hold">
+                      <p:stCondLst>
+                        <p:cond delay="indefinite"/>
+                      </p:stCondLst>
+                      <p:childTnLst>
+                        <p:par>
+                          <p:cTn id="4" fill="hold">
+                            <p:stCondLst>
+                              <p:cond delay="0"/>
+                            </p:stCondLst>
+                            <p:childTnLst>
+                              <p:par>
+                                <p:cTn id="5" presetID="2" presetClass="entr" presetSubtype="4" fill="hold" grpId="0" nodeType="clickEffect">
+                                  <p:stCondLst>
+                                    <p:cond delay="0"/>
+                                  </p:stCondLst>
+                                  <p:childTnLst>
+                                    <p:set>
+                                      <p:cBhvr>
+                                        <p:cTn id="6" dur="1" fill="hold">
+                                          <p:stCondLst>
+                                            <p:cond delay="0"/>
+                                          </p:stCondLst>
+                                        </p:cTn>
+                                        <p:tgtEl>
+                                          <p:spTgt spid="3">
+                                            <p:txEl>
+                                              <p:pRg st="0" end="0"/>
+                                            </p:txEl>
+                                          </p:spTgt>
+                                        </p:tgtEl>
+                                        <p:attrNameLst>
+                                          <p:attrName>style.visibility</p:attrName>
+                                        </p:attrNameLst>
+                                      </p:cBhvr>
+                                      <p:to>
+                                        <p:strVal val="visible"/>
+                                      </p:to>
+                                    </p:set>
+                                    <p:anim calcmode="lin" valueType="num">
+                                      <p:cBhvr additive="base">
+                                        <p:cTn id="7" dur="500" fill="hold"/>
+                                        <p:tgtEl>
+                                          <p:spTgt spid="3">
+                                            <p:txEl>
+                                              <p:pRg st="0" end="0"/>
+                                            </p:txEl>
+                                          </p:spTgt>
+                                        </p:tgtEl>
+                                        <p:attrNameLst>
+                                          <p:attrName>ppt_x</p:attrName>
+                                        </p:attrNameLst>
+                                      </p:cBhvr>
+                                      <p:tavLst>
+                                        <p:tav tm="0">
+                                          <p:val>
+                                            <p:strVal val="#ppt_x"/>
+                                          </p:val>
+                                        </p:tav>
+                                        <p:tav tm="100000">
+                                          <p:val>
+                                            <p:strVal val="#ppt_x"/>
+                                          </p:val>
+                                        </p:tav>
+                                      </p:tavLst>
+                                    </p:anim>
+                                    <p:anim calcmode="lin" valueType="num">
+                                      <p:cBhvr additive="base">
+                                        <p:cTn id="8" dur="500" fill="hold"/>
+                                        <p:tgtEl>
+                                          <p:spTgt spid="3">
+                                            <p:txEl>
+                                              <p:pRg st="0" end="0"/>
+                                            </p:txEl>
+                                          </p:spTgt>
+                                        </p:tgtEl>
+                                        <p:attrNameLst>
+                                          <p:attrName>ppt_y</p:attrName>
+                                        </p:attrNameLst>
+                                      </p:cBhvr>
+                                      <p:tavLst>
+                                        <p:tav tm="0">
+                                          <p:val>
+                                            <p:strVal val="1+#ppt_h/2"/>
+                                          </p:val>
+                                        </p:tav>
+                                        <p:tav tm="100000">
+                                          <p:val>
+                                            <p:strVal val="#ppt_y"/>
+                                          </p:val>
+                                        </p:tav>
+                                      </p:tavLst>
+                                    </p:anim>
+                                  </p:childTnLst>
+                                </p:cTn>
+                              </p:par>
+                            </p:childTnLst>
+                          </p:cTn>
+                        </p:par>
+                      </p:childTnLst>
+                    </p:cTn>
+                  </p:par>
+                  <p:par>
+                    <p:cTn id="9" fill="hold">
+                      <p:stCondLst>
+                        <p:cond delay="indefinite"/>
+                      </p:stCondLst>
+                      <p:childTnLst>
+                        <p:par>
+                          <p:cTn id="10" fill="hold">
+                            <p:stCondLst>
+                              <p:cond delay="0"/>
+                            </p:stCondLst>
+                            <p:childTnLst>
+                              <p:par>
+                                <p:cTn id="11" presetID="2" presetClass="entr" presetSubtype="4" fill="hold" grpId="0" nodeType="clickEffect">
+                                  <p:stCondLst>
+                                    <p:cond delay="0"/>
+                                  </p:stCondLst>
+                                  <p:childTnLst>
+                                    <p:set>
+                                      <p:cBhvr>
+                                        <p:cTn id="12" dur="1" fill="hold">
+                                          <p:stCondLst>
+                                            <p:cond delay="0"/>
+                                          </p:stCondLst>
+                                        </p:cTn>
+                                        <p:tgtEl>
+                                          <p:spTgt spid="3">
+                                            <p:txEl>
+                                              <p:pRg st="1" end="1"/>
+                                            </p:txEl>
+                                          </p:spTgt>
+                                        </p:tgtEl>
+                                        <p:attrNameLst>
+                                          <p:attrName>style.visibility</p:attrName>
+                                        </p:attrNameLst>
+                                      </p:cBhvr>
+                                      <p:to>
+                                        <p:strVal val="visible"/>
+                                      </p:to>
+                                    </p:set>
+                                    <p:anim calcmode="lin" valueType="num">
+                                      <p:cBhvr additive="base">
+                                        <p:cTn id="13" dur="500" fill="hold"/>
+                                        <p:tgtEl>
+                                          <p:spTgt spid="3">
+                                            <p:txEl>
+                                              <p:pRg st="1" end="1"/>
+                                            </p:txEl>
+                                          </p:spTgt>
+                                        </p:tgtEl>
+                                        <p:attrNameLst>
+                                          <p:attrName>ppt_x</p:attrName>
+                                        </p:attrNameLst>
+                                      </p:cBhvr>
+                                      <p:tavLst>
+                                        <p:tav tm="0">
+                                          <p:val>
+                                            <p:strVal val="#ppt_x"/>
+                                          </p:val>
+                                        </p:tav>
+                                        <p:tav tm="100000">
+                                          <p:val>
+                                            <p:strVal val="#ppt_x"/>
+                                          </p:val>
+                                        </p:tav>
+                                      </p:tavLst>
+                                    </p:anim>
+                                    <p:anim calcmode="lin" valueType="num">
+                                      <p:cBhvr additive="base">
+                                        <p:cTn id="14" dur="500" fill="hold"/>
+                                        <p:tgtEl>
+                                          <p:spTgt spid="3">
+                                            <p:txEl>
+                                              <p:pRg st="1" end="1"/>
+                                            </p:txEl>
+                                          </p:spTgt>
+                                        </p:tgtEl>
+                                        <p:attrNameLst>
+                                          <p:attrName>ppt_y</p:attrName>
+                                        </p:attrNameLst>
+                                      </p:cBhvr>
+                                      <p:tavLst>
+                                        <p:tav tm="0">
+                                          <p:val>
+                                            <p:strVal val="1+#ppt_h/2"/>
+                                          </p:val>
+                                        </p:tav>
+                                        <p:tav tm="100000">
+                                          <p:val>
+                                            <p:strVal val="#ppt_y"/>
+                                          </p:val>
+                                        </p:tav>
+                                      </p:tavLst>
+                                    </p:anim>
+                                  </p:childTnLst>
+                                </p:cTn>
+                              </p:par>
+                            </p:childTnLst>
+                          </p:cTn>
+                        </p:par>
+                      </p:childTnLst>
+                    </p:cTn>
+                  </p:par>
+                  <p:par>
+                    <p:cTn id="15" fill="hold">
+                      <p:stCondLst>
+                        <p:cond delay="indefinite"/>
+                      </p:stCondLst>
+                      <p:childTnLst>
+                        <p:par>
+                          <p:cTn id="16" fill="hold">
+                            <p:stCondLst>
+                              <p:cond delay="0"/>
+                            </p:stCondLst>
+                            <p:childTnLst>
+                              <p:par>
+                                <p:cTn id="17" presetID="2" presetClass="entr" presetSubtype="4" fill="hold" grpId="0" nodeType="clickEffect">
+                                  <p:stCondLst>
+                                    <p:cond delay="0"/>
+                                  </p:stCondLst>
+                                  <p:childTnLst>
+                                    <p:set>
+                                      <p:cBhvr>
+                                        <p:cTn id="18" dur="1" fill="hold">
+                                          <p:stCondLst>
+                                            <p:cond delay="0"/>
+                                          </p:stCondLst>
+                                        </p:cTn>
+                                        <p:tgtEl>
+                                          <p:spTgt spid="3">
+                                            <p:txEl>
+                                              <p:pRg st="2" end="2"/>
+                                            </p:txEl>
+                                          </p:spTgt>
+                                        </p:tgtEl>
+                                        <p:attrNameLst>
+                                          <p:attrName>style.visibility</p:attrName>
+                                        </p:attrNameLst>
+                                      </p:cBhvr>
+                                      <p:to>
+                                        <p:strVal val="visible"/>
+                                      </p:to>
+                                    </p:set>
+                                    <p:anim calcmode="lin" valueType="num">
+                                      <p:cBhvr additive="base">
+                                        <p:cTn id="19" dur="500" fill="hold"/>
+                                        <p:tgtEl>
+                                          <p:spTgt spid="3">
+                                            <p:txEl>
+                                              <p:pRg st="2" end="2"/>
+                                            </p:txEl>
+                                          </p:spTgt>
+                                        </p:tgtEl>
+                                        <p:attrNameLst>
+                                          <p:attrName>ppt_x</p:attrName>
+                                        </p:attrNameLst>
+                                      </p:cBhvr>
+                                      <p:tavLst>
+                                        <p:tav tm="0">
+                                          <p:val>
+                                            <p:strVal val="#ppt_x"/>
+                                          </p:val>
+                                        </p:tav>
+                                        <p:tav tm="100000">
+                                          <p:val>
+                                            <p:strVal val="#ppt_x"/>
+                                          </p:val>
+                                        </p:tav>
+                                      </p:tavLst>
+                                    </p:anim>
+                                    <p:anim calcmode="lin" valueType="num">
+                                      <p:cBhvr additive="base">
+                                        <p:cTn id="20" dur="500" fill="hold"/>
+                                        <p:tgtEl>
+                                          <p:spTgt spid="3">
+                                            <p:txEl>
+                                              <p:pRg st="2" end="2"/>
+                                            </p:txEl>
+                                          </p:spTgt>
+                                        </p:tgtEl>
+                                        <p:attrNameLst>
+                                          <p:attrName>ppt_y</p:attrName>
+                                        </p:attrNameLst>
+                                      </p:cBhvr>
+                                      <p:tavLst>
+                                        <p:tav tm="0">
+                                          <p:val>
+                                            <p:strVal val="1+#ppt_h/2"/>
+                                          </p:val>
+                                        </p:tav>
+                                        <p:tav tm="100000">
+                                          <p:val>
+                                            <p:strVal val="#ppt_y"/>
+                                          </p:val>
+                                        </p:tav>
+                                      </p:tavLst>
+                                    </p:anim>
+                                  </p:childTnLst>
+                                </p:cTn>
+                              </p:par>
+                              <p:par>
+                                <p:cTn id="21" presetID="2" presetClass="entr" presetSubtype="4" fill="hold" grpId="0" nodeType="withEffect">
+                                  <p:stCondLst>
+                                    <p:cond delay="0"/>
+                                  </p:stCondLst>
+                                  <p:childTnLst>
+                                    <p:set>
+                                      <p:cBhvr>
+                                        <p:cTn id="22" dur="1" fill="hold">
+                                          <p:stCondLst>
+                                            <p:cond delay="0"/>
+                                          </p:stCondLst>
+                                        </p:cTn>
+                                        <p:tgtEl>
+                                          <p:spTgt spid="3">
+                                            <p:txEl>
+                                              <p:pRg st="3" end="3"/>
+                                            </p:txEl>
+                                          </p:spTgt>
+                                        </p:tgtEl>
+                                        <p:attrNameLst>
+                                          <p:attrName>style.visibility</p:attrName>
+                                        </p:attrNameLst>
+                                      </p:cBhvr>
+                                      <p:to>
+                                        <p:strVal val="visible"/>
+                                      </p:to>
+                                    </p:set>
+                                    <p:anim calcmode="lin" valueType="num">
+                                      <p:cBhvr additive="base">
+                                        <p:cTn id="23" dur="500" fill="hold"/>
+                                        <p:tgtEl>
+                                          <p:spTgt spid="3">
+                                            <p:txEl>
+                                              <p:pRg st="3" end="3"/>
+                                            </p:txEl>
+                                          </p:spTgt>
+                                        </p:tgtEl>
+                                        <p:attrNameLst>
+                                          <p:attrName>ppt_x</p:attrName>
+                                        </p:attrNameLst>
+                                      </p:cBhvr>
+                                      <p:tavLst>
+                                        <p:tav tm="0">
+                                          <p:val>
+                                            <p:strVal val="#ppt_x"/>
+                                          </p:val>
+                                        </p:tav>
+                                        <p:tav tm="100000">
+                                          <p:val>
+                                            <p:strVal val="#ppt_x"/>
+                                          </p:val>
+                                        </p:tav>
+                                      </p:tavLst>
+                                    </p:anim>
+                                    <p:anim calcmode="lin" valueType="num">
+                                      <p:cBhvr additive="base">
+                                        <p:cTn id="24" dur="500" fill="hold"/>
+                                        <p:tgtEl>
+                                          <p:spTgt spid="3">
+                                            <p:txEl>
+                                              <p:pRg st="3" end="3"/>
+                                            </p:txEl>
+                                          </p:spTgt>
+                                        </p:tgtEl>
+                                        <p:attrNameLst>
+                                          <p:attrName>ppt_y</p:attrName>
+                                        </p:attrNameLst>
+                                      </p:cBhvr>
+                                      <p:tavLst>
+                                        <p:tav tm="0">
+                                          <p:val>
+                                            <p:strVal val="1+#ppt_h/2"/>
+                                          </p:val>
+                                        </p:tav>
+                                        <p:tav tm="100000">
+                                          <p:val>
+                                            <p:strVal val="#ppt_y"/>
+                                          </p:val>
+                                        </p:tav>
+                                      </p:tavLst>
+                                    </p:anim>
+                                  </p:childTnLst>
+                                </p:cTn>
+                              </p:par>
+                              <p:par>
+                                <p:cTn id="25" presetID="2" presetClass="entr" presetSubtype="4" fill="hold" grpId="0" nodeType="withEffect">
+                                  <p:stCondLst>
+                                    <p:cond delay="0"/>
+                                  </p:stCondLst>
+                                  <p:childTnLst>
+                                    <p:set>
+                                      <p:cBhvr>
+                                        <p:cTn id="26" dur="1" fill="hold">
+                                          <p:stCondLst>
+                                            <p:cond delay="0"/>
+                                          </p:stCondLst>
+                                        </p:cTn>
+                                        <p:tgtEl>
+                                          <p:spTgt spid="3">
+                                            <p:txEl>
+                                              <p:pRg st="4" end="4"/>
+                                            </p:txEl>
+                                          </p:spTgt>
+                                        </p:tgtEl>
+                                        <p:attrNameLst>
+                                          <p:attrName>style.visibility</p:attrName>
+                                        </p:attrNameLst>
+                                      </p:cBhvr>
+                                      <p:to>
+                                        <p:strVal val="visible"/>
+                                      </p:to>
+                                    </p:set>
+                                    <p:anim calcmode="lin" valueType="num">
+                                      <p:cBhvr additive="base">
+                                        <p:cTn id="27" dur="500" fill="hold"/>
+                                        <p:tgtEl>
+                                          <p:spTgt spid="3">
+                                            <p:txEl>
+                                              <p:pRg st="4" end="4"/>
+                                            </p:txEl>
+                                          </p:spTgt>
+                                        </p:tgtEl>
+                                        <p:attrNameLst>
+                                          <p:attrName>ppt_x</p:attrName>
+                                        </p:attrNameLst>
+                                      </p:cBhvr>
+                                      <p:tavLst>
+                                        <p:tav tm="0">
+                                          <p:val>
+                                            <p:strVal val="#ppt_x"/>
+                                          </p:val>
+                                        </p:tav>
+                                        <p:tav tm="100000">
+                                          <p:val>
+                                            <p:strVal val="#ppt_x"/>
+                                          </p:val>
+                                        </p:tav>
+                                      </p:tavLst>
+                                    </p:anim>
+                                    <p:anim calcmode="lin" valueType="num">
+                                      <p:cBhvr additive="base">
+                                        <p:cTn id="28" dur="500" fill="hold"/>
+                                        <p:tgtEl>
+                                          <p:spTgt spid="3">
+                                            <p:txEl>
+                                              <p:pRg st="4" end="4"/>
+                                            </p:txEl>
+                                          </p:spTgt>
+                                        </p:tgtEl>
+                                        <p:attrNameLst>
+                                          <p:attrName>ppt_y</p:attrName>
+                                        </p:attrNameLst>
+                                      </p:cBhvr>
+                                      <p:tavLst>
+                                        <p:tav tm="0">
+                                          <p:val>
+                                            <p:strVal val="1+#ppt_h/2"/>
+                                          </p:val>
+                                        </p:tav>
+                                        <p:tav tm="100000">
+                                          <p:val>
+                                            <p:strVal val="#ppt_y"/>
+                                          </p:val>
+                                        </p:tav>
+                                      </p:tavLst>
+                                    </p:anim>
+                                  </p:childTnLst>
+                                </p:cTn>
+                              </p:par>
+                            </p:childTnLst>
+                          </p:cTn>
+                        </p:par>
+                      </p:childTnLst>
+                    </p:cTn>
+                  </p:par>
+                </p:childTnLst>
+              </p:cTn>
+              <p:prevCondLst>
+                <p:cond evt="onPrev" delay="0">
+                  <p:tgtEl>
+                    <p:sldTgt/>
+                  </p:tgtEl>
+                </p:cond>
+              </p:prevCondLst>
+              <p:nextCondLst>
+                <p:cond evt="onNext" delay="0">
+                  <p:tgtEl>
+                    <p:sldTgt/>
+                  </p:tgtEl>
+                </p:cond>
+              </p:nextCondLst>
+            </p:seq>
+          </p:childTnLst>
+        </p:cTn>
+      </p:par>
+    </p:tnLst>
+    <p:bldLst>
+      <p:bldP spid="3" grpId="0" build="p"/>
+    </p:bldLst>
+  </p:timing>
 </p:sld>
 </file>
 
@@ -17266,7 +17778,7 @@
               <a:rPr lang="en-US" dirty="0">
                 <a:latin typeface="Bahnschrift" panose="020B0502040204020203" pitchFamily="34" charset="0"/>
               </a:rPr>
-              <a:t>Here, the doctor can view not only two graphs of the fluid intake/outtake by clicking on the arrow icon of the patient but also view the name of the patient, add more details of the patients, view the latest details inputted and remove the patient altogether.</a:t>
+              <a:t>Here, the doctor can view not only two graphs of the fluid intake/outtake but also view the name of the patient, add more details of the patients, view the latest details inputted and remove the patient altogether.</a:t>
             </a:r>
           </a:p>
           <a:p>
@@ -17290,7 +17802,7 @@
               <a:rPr lang="en-US" dirty="0">
                 <a:latin typeface="Bahnschrift" panose="020B0502040204020203" pitchFamily="34" charset="0"/>
               </a:rPr>
-              <a:t>There is a button in between of the graph and the form where the doctor can click in order to go back to the dashboard page if they wish to create a new patient.</a:t>
+              <a:t>There is a card on the bottom right side of the screen with an arrow button. If the doctor clicks on this button, they is redirected to the dashboard page where they can view other patients.</a:t>
             </a:r>
             <a:endParaRPr lang="en-IN" dirty="0">
               <a:latin typeface="Bahnschrift" panose="020B0502040204020203" pitchFamily="34" charset="0"/>
@@ -17300,10 +17812,10 @@
       </p:sp>
       <p:pic>
         <p:nvPicPr>
-          <p:cNvPr id="5" name="Picture 4">
+          <p:cNvPr id="6" name="Picture 5">
             <a:extLst>
               <a:ext uri="{FF2B5EF4-FFF2-40B4-BE49-F238E27FC236}">
-                <a16:creationId xmlns:a16="http://schemas.microsoft.com/office/drawing/2014/main" id="{91B79C09-91B9-416C-B658-9CF7C92E5981}"/>
+                <a16:creationId xmlns:a16="http://schemas.microsoft.com/office/drawing/2014/main" id="{602472FC-D493-442E-94E9-0F34B3F6F1F8}"/>
               </a:ext>
             </a:extLst>
           </p:cNvPr>
@@ -17320,38 +17832,8 @@
         </p:blipFill>
         <p:spPr>
           <a:xfrm>
-            <a:off x="0" y="0"/>
-            <a:ext cx="5867808" cy="3281082"/>
-          </a:xfrm>
-          <a:prstGeom prst="rect">
-            <a:avLst/>
-          </a:prstGeom>
-        </p:spPr>
-      </p:pic>
-      <p:pic>
-        <p:nvPicPr>
-          <p:cNvPr id="7" name="Picture 6">
-            <a:extLst>
-              <a:ext uri="{FF2B5EF4-FFF2-40B4-BE49-F238E27FC236}">
-                <a16:creationId xmlns:a16="http://schemas.microsoft.com/office/drawing/2014/main" id="{F3FFA04D-EA21-47D9-B3C1-EF03859941FB}"/>
-              </a:ext>
-            </a:extLst>
-          </p:cNvPr>
-          <p:cNvPicPr>
-            <a:picLocks noChangeAspect="1"/>
-          </p:cNvPicPr>
-          <p:nvPr/>
-        </p:nvPicPr>
-        <p:blipFill>
-          <a:blip r:embed="rId3"/>
-          <a:stretch>
-            <a:fillRect/>
-          </a:stretch>
-        </p:blipFill>
-        <p:spPr>
-          <a:xfrm>
-            <a:off x="1" y="3281082"/>
-            <a:ext cx="5867808" cy="3576918"/>
+            <a:off x="0" y="1416424"/>
+            <a:ext cx="5910127" cy="3765176"/>
           </a:xfrm>
           <a:prstGeom prst="rect">
             <a:avLst/>
@@ -17494,7 +17976,7 @@
               <a:rPr lang="en-US" dirty="0">
                 <a:latin typeface="Bahnschrift" panose="020B0502040204020203" pitchFamily="34" charset="0"/>
               </a:rPr>
-              <a:t>Firstly, there are a canvas tag on the left side of the screen where the intake/output graph would be generated.</a:t>
+              <a:t>Firstly, there are two canvas tags on the left side of the screen where the intake/output graph would be generated.</a:t>
             </a:r>
           </a:p>
           <a:p>
@@ -17576,10 +18058,10 @@
       </p:sp>
       <p:pic>
         <p:nvPicPr>
-          <p:cNvPr id="7" name="Picture 6">
+          <p:cNvPr id="6" name="Picture 5">
             <a:extLst>
               <a:ext uri="{FF2B5EF4-FFF2-40B4-BE49-F238E27FC236}">
-                <a16:creationId xmlns:a16="http://schemas.microsoft.com/office/drawing/2014/main" id="{9FCBAB84-6FC1-42DC-AB5E-0569FDBACE72}"/>
+                <a16:creationId xmlns:a16="http://schemas.microsoft.com/office/drawing/2014/main" id="{CFB5106B-2CA4-4199-A2F3-76EDE97FB221}"/>
               </a:ext>
             </a:extLst>
           </p:cNvPr>
@@ -17596,38 +18078,8 @@
         </p:blipFill>
         <p:spPr>
           <a:xfrm>
-            <a:off x="-1" y="0"/>
-            <a:ext cx="5910127" cy="3316939"/>
-          </a:xfrm>
-          <a:prstGeom prst="rect">
-            <a:avLst/>
-          </a:prstGeom>
-        </p:spPr>
-      </p:pic>
-      <p:pic>
-        <p:nvPicPr>
-          <p:cNvPr id="9" name="Picture 8">
-            <a:extLst>
-              <a:ext uri="{FF2B5EF4-FFF2-40B4-BE49-F238E27FC236}">
-                <a16:creationId xmlns:a16="http://schemas.microsoft.com/office/drawing/2014/main" id="{73C0917C-779B-4A77-B488-56C34A68D636}"/>
-              </a:ext>
-            </a:extLst>
-          </p:cNvPr>
-          <p:cNvPicPr>
-            <a:picLocks noChangeAspect="1"/>
-          </p:cNvPicPr>
-          <p:nvPr/>
-        </p:nvPicPr>
-        <p:blipFill>
-          <a:blip r:embed="rId3"/>
-          <a:stretch>
-            <a:fillRect/>
-          </a:stretch>
-        </p:blipFill>
-        <p:spPr>
-          <a:xfrm>
-            <a:off x="0" y="3316940"/>
-            <a:ext cx="5910126" cy="3541059"/>
+            <a:off x="1" y="1559860"/>
+            <a:ext cx="5910126" cy="3576022"/>
           </a:xfrm>
           <a:prstGeom prst="rect">
             <a:avLst/>
@@ -17770,7 +18222,7 @@
               <a:rPr lang="en-US" dirty="0">
                 <a:latin typeface="Bahnschrift" panose="020B0502040204020203" pitchFamily="34" charset="0"/>
               </a:rPr>
-              <a:t>In the canvas tag, we create combo graphs of the inputted details over the time inputted. A combo graph is a bar graph and a line graph.</a:t>
+              <a:t>In the canvas tags, we create combo graphs of the inputted details over the time inputted. A combo graph is a bar graph and a line graph. They graphs are generated beside each other</a:t>
             </a:r>
           </a:p>
           <a:p>
@@ -17818,18 +18270,6 @@
               <a:rPr lang="en-IN" dirty="0">
                 <a:latin typeface="Bahnschrift" panose="020B0502040204020203" pitchFamily="34" charset="0"/>
               </a:rPr>
-              <a:t>Both graphs cannot be viewed together. By default, the intake graph is showed. However, if the doctor clicks on the arrow button beside the graph, he can change the graph to the output graph and vice versa</a:t>
-            </a:r>
-          </a:p>
-          <a:p>
-            <a:pPr>
-              <a:buFontTx/>
-              <a:buChar char="-"/>
-            </a:pPr>
-            <a:r>
-              <a:rPr lang="en-IN" dirty="0">
-                <a:latin typeface="Bahnschrift" panose="020B0502040204020203" pitchFamily="34" charset="0"/>
-              </a:rPr>
               <a:t>On the bottom of the page, the doctors can view the last recorded details. We get the information by iterating through the documents and displaying the information directly.</a:t>
             </a:r>
           </a:p>
@@ -17860,10 +18300,10 @@
       </p:sp>
       <p:pic>
         <p:nvPicPr>
-          <p:cNvPr id="5" name="Picture 4">
+          <p:cNvPr id="9" name="Picture 8">
             <a:extLst>
               <a:ext uri="{FF2B5EF4-FFF2-40B4-BE49-F238E27FC236}">
-                <a16:creationId xmlns:a16="http://schemas.microsoft.com/office/drawing/2014/main" id="{425F76D5-E665-4D13-8F44-0EB37E53E6D4}"/>
+                <a16:creationId xmlns:a16="http://schemas.microsoft.com/office/drawing/2014/main" id="{2E17D907-8352-452D-A1C3-655E0ACDBF78}"/>
               </a:ext>
             </a:extLst>
           </p:cNvPr>
@@ -17880,38 +18320,8 @@
         </p:blipFill>
         <p:spPr>
           <a:xfrm>
-            <a:off x="0" y="0"/>
-            <a:ext cx="5674659" cy="3429000"/>
-          </a:xfrm>
-          <a:prstGeom prst="rect">
-            <a:avLst/>
-          </a:prstGeom>
-        </p:spPr>
-      </p:pic>
-      <p:pic>
-        <p:nvPicPr>
-          <p:cNvPr id="7" name="Picture 6">
-            <a:extLst>
-              <a:ext uri="{FF2B5EF4-FFF2-40B4-BE49-F238E27FC236}">
-                <a16:creationId xmlns:a16="http://schemas.microsoft.com/office/drawing/2014/main" id="{249FED50-CFA5-46B3-85FC-C3B135958925}"/>
-              </a:ext>
-            </a:extLst>
-          </p:cNvPr>
-          <p:cNvPicPr>
-            <a:picLocks noChangeAspect="1"/>
-          </p:cNvPicPr>
-          <p:nvPr/>
-        </p:nvPicPr>
-        <p:blipFill>
-          <a:blip r:embed="rId3"/>
-          <a:stretch>
-            <a:fillRect/>
-          </a:stretch>
-        </p:blipFill>
-        <p:spPr>
-          <a:xfrm>
-            <a:off x="0" y="3432174"/>
-            <a:ext cx="5674659" cy="3425825"/>
+            <a:off x="0" y="1555962"/>
+            <a:ext cx="5674659" cy="3831826"/>
           </a:xfrm>
           <a:prstGeom prst="rect">
             <a:avLst/>

--- a/PresentationPPT/WellScanPresentation.pptx
+++ b/PresentationPPT/WellScanPresentation.pptx
@@ -7,14 +7,15 @@
   <p:sldIdLst>
     <p:sldId id="256" r:id="rId2"/>
     <p:sldId id="257" r:id="rId3"/>
-    <p:sldId id="258" r:id="rId4"/>
-    <p:sldId id="259" r:id="rId5"/>
-    <p:sldId id="260" r:id="rId6"/>
-    <p:sldId id="261" r:id="rId7"/>
-    <p:sldId id="262" r:id="rId8"/>
-    <p:sldId id="263" r:id="rId9"/>
-    <p:sldId id="264" r:id="rId10"/>
-    <p:sldId id="266" r:id="rId11"/>
+    <p:sldId id="267" r:id="rId4"/>
+    <p:sldId id="258" r:id="rId5"/>
+    <p:sldId id="259" r:id="rId6"/>
+    <p:sldId id="260" r:id="rId7"/>
+    <p:sldId id="261" r:id="rId8"/>
+    <p:sldId id="262" r:id="rId9"/>
+    <p:sldId id="263" r:id="rId10"/>
+    <p:sldId id="264" r:id="rId11"/>
+    <p:sldId id="266" r:id="rId12"/>
   </p:sldIdLst>
   <p:sldSz cx="12192000" cy="6858000"/>
   <p:notesSz cx="6858000" cy="9144000"/>
@@ -15933,6 +15934,248 @@
       </p:grpSpPr>
       <p:sp>
         <p:nvSpPr>
+          <p:cNvPr id="2" name="Title 1">
+            <a:extLst>
+              <a:ext uri="{FF2B5EF4-FFF2-40B4-BE49-F238E27FC236}">
+                <a16:creationId xmlns:a16="http://schemas.microsoft.com/office/drawing/2014/main" id="{EB81F701-CC55-4E37-9CA0-BD220F5A74C2}"/>
+              </a:ext>
+            </a:extLst>
+          </p:cNvPr>
+          <p:cNvSpPr>
+            <a:spLocks noGrp="1"/>
+          </p:cNvSpPr>
+          <p:nvPr>
+            <p:ph type="title"/>
+          </p:nvPr>
+        </p:nvSpPr>
+        <p:spPr>
+          <a:xfrm>
+            <a:off x="-868451" y="1803078"/>
+            <a:ext cx="366428" cy="267769"/>
+          </a:xfrm>
+        </p:spPr>
+        <p:txBody>
+          <a:bodyPr>
+            <a:normAutofit fontScale="90000"/>
+          </a:bodyPr>
+          <a:lstStyle/>
+          <a:p>
+            <a:r>
+              <a:rPr lang="en-US" dirty="0"/>
+              <a:t> </a:t>
+            </a:r>
+            <a:endParaRPr lang="en-IN" dirty="0"/>
+          </a:p>
+        </p:txBody>
+      </p:sp>
+      <p:sp>
+        <p:nvSpPr>
+          <p:cNvPr id="3" name="Content Placeholder 2">
+            <a:extLst>
+              <a:ext uri="{FF2B5EF4-FFF2-40B4-BE49-F238E27FC236}">
+                <a16:creationId xmlns:a16="http://schemas.microsoft.com/office/drawing/2014/main" id="{E0299159-B267-4E32-AB8A-572F8E43C4F2}"/>
+              </a:ext>
+            </a:extLst>
+          </p:cNvPr>
+          <p:cNvSpPr>
+            <a:spLocks noGrp="1"/>
+          </p:cNvSpPr>
+          <p:nvPr>
+            <p:ph idx="1"/>
+          </p:nvPr>
+        </p:nvSpPr>
+        <p:spPr>
+          <a:xfrm>
+            <a:off x="5674659" y="0"/>
+            <a:ext cx="6517341" cy="6858000"/>
+          </a:xfrm>
+        </p:spPr>
+        <p:txBody>
+          <a:bodyPr>
+            <a:normAutofit fontScale="70000" lnSpcReduction="20000"/>
+          </a:bodyPr>
+          <a:lstStyle/>
+          <a:p>
+            <a:pPr marL="0" indent="0">
+              <a:buNone/>
+            </a:pPr>
+            <a:r>
+              <a:rPr lang="en-US" dirty="0">
+                <a:latin typeface="Bahnschrift" panose="020B0502040204020203" pitchFamily="34" charset="0"/>
+              </a:rPr>
+              <a:t>		     Graph Page Pt. 3</a:t>
+            </a:r>
+          </a:p>
+          <a:p>
+            <a:pPr marL="0" indent="0">
+              <a:buNone/>
+            </a:pPr>
+            <a:r>
+              <a:rPr lang="en-US" dirty="0">
+                <a:latin typeface="Bahnschrift" panose="020B0502040204020203" pitchFamily="34" charset="0"/>
+              </a:rPr>
+              <a:t>-------------------------------------------------------------------------------</a:t>
+            </a:r>
+          </a:p>
+          <a:p>
+            <a:pPr>
+              <a:buFontTx/>
+              <a:buChar char="-"/>
+            </a:pPr>
+            <a:r>
+              <a:rPr lang="en-US" dirty="0">
+                <a:latin typeface="Bahnschrift" panose="020B0502040204020203" pitchFamily="34" charset="0"/>
+              </a:rPr>
+              <a:t>After the both arrays are sorted, we create the graphs using Chart.JS</a:t>
+            </a:r>
+          </a:p>
+          <a:p>
+            <a:pPr>
+              <a:buFontTx/>
+              <a:buChar char="-"/>
+            </a:pPr>
+            <a:r>
+              <a:rPr lang="en-US" dirty="0">
+                <a:latin typeface="Bahnschrift" panose="020B0502040204020203" pitchFamily="34" charset="0"/>
+              </a:rPr>
+              <a:t>In the canvas tags, we create combo graphs of the inputted details over the time inputted. A combo graph is a bar graph and a line graph. They graphs are generated beside each other</a:t>
+            </a:r>
+          </a:p>
+          <a:p>
+            <a:pPr>
+              <a:buFontTx/>
+              <a:buChar char="-"/>
+            </a:pPr>
+            <a:r>
+              <a:rPr lang="en-US" dirty="0">
+                <a:latin typeface="Bahnschrift" panose="020B0502040204020203" pitchFamily="34" charset="0"/>
+              </a:rPr>
+              <a:t>Firstly we create a new Chart object using the Chart.JS module. In the object, we first specify the default type as line so that a line graph is generated. Then we provide the data which is the time, blood pressure, pulse and oral N.G. After creating the line graphs, we create bar graphs by overriding the default type by explicitly declaring the type to be bar. We pass in the same data as the line graph.</a:t>
+            </a:r>
+          </a:p>
+          <a:p>
+            <a:pPr>
+              <a:buFontTx/>
+              <a:buChar char="-"/>
+            </a:pPr>
+            <a:r>
+              <a:rPr lang="en-US" dirty="0">
+                <a:latin typeface="Bahnschrift" panose="020B0502040204020203" pitchFamily="34" charset="0"/>
+              </a:rPr>
+              <a:t>After providing all details, we change the height, width, padding and the left margin of the graph. Finally, we call the update function of the Chart object so that the chart can be seen/updated</a:t>
+            </a:r>
+          </a:p>
+          <a:p>
+            <a:pPr>
+              <a:buFontTx/>
+              <a:buChar char="-"/>
+            </a:pPr>
+            <a:r>
+              <a:rPr lang="en-IN" dirty="0">
+                <a:latin typeface="Bahnschrift" panose="020B0502040204020203" pitchFamily="34" charset="0"/>
+              </a:rPr>
+              <a:t>For the output graph, we follow the same steps but simply provide different data which is urine, stool, vomit and suction. Then we change the height, width, padding and the left margin of the graph and update the chart.</a:t>
+            </a:r>
+          </a:p>
+          <a:p>
+            <a:pPr>
+              <a:buFontTx/>
+              <a:buChar char="-"/>
+            </a:pPr>
+            <a:r>
+              <a:rPr lang="en-IN" dirty="0">
+                <a:latin typeface="Bahnschrift" panose="020B0502040204020203" pitchFamily="34" charset="0"/>
+              </a:rPr>
+              <a:t>On the bottom of the page, the doctors can view the last recorded details. We get the information by iterating through the documents and displaying the information directly.</a:t>
+            </a:r>
+          </a:p>
+          <a:p>
+            <a:pPr>
+              <a:buFontTx/>
+              <a:buChar char="-"/>
+            </a:pPr>
+            <a:r>
+              <a:rPr lang="en-IN" dirty="0">
+                <a:latin typeface="Bahnschrift" panose="020B0502040204020203" pitchFamily="34" charset="0"/>
+              </a:rPr>
+              <a:t>There is also a ‘Remove Patient’ button which the doctor can use to delete the patient. We have setup an event listener for the button which, on being clicked, iterates through the collection. When a collection is found in which the documents containing the first and last name of the patient are equal to the first and last name of the current patient, we delete the collection from </a:t>
+            </a:r>
+            <a:br>
+              <a:rPr lang="en-IN" dirty="0">
+                <a:latin typeface="Bahnschrift" panose="020B0502040204020203" pitchFamily="34" charset="0"/>
+              </a:rPr>
+            </a:br>
+            <a:r>
+              <a:rPr lang="en-IN" dirty="0">
+                <a:latin typeface="Bahnschrift" panose="020B0502040204020203" pitchFamily="34" charset="0"/>
+              </a:rPr>
+              <a:t>“patients” as well as from the “innerhtml” collection</a:t>
+            </a:r>
+          </a:p>
+        </p:txBody>
+      </p:sp>
+      <p:pic>
+        <p:nvPicPr>
+          <p:cNvPr id="9" name="Picture 8">
+            <a:extLst>
+              <a:ext uri="{FF2B5EF4-FFF2-40B4-BE49-F238E27FC236}">
+                <a16:creationId xmlns:a16="http://schemas.microsoft.com/office/drawing/2014/main" id="{2E17D907-8352-452D-A1C3-655E0ACDBF78}"/>
+              </a:ext>
+            </a:extLst>
+          </p:cNvPr>
+          <p:cNvPicPr>
+            <a:picLocks noChangeAspect="1"/>
+          </p:cNvPicPr>
+          <p:nvPr/>
+        </p:nvPicPr>
+        <p:blipFill>
+          <a:blip r:embed="rId2"/>
+          <a:stretch>
+            <a:fillRect/>
+          </a:stretch>
+        </p:blipFill>
+        <p:spPr>
+          <a:xfrm>
+            <a:off x="0" y="1555962"/>
+            <a:ext cx="5674659" cy="3831826"/>
+          </a:xfrm>
+          <a:prstGeom prst="rect">
+            <a:avLst/>
+          </a:prstGeom>
+        </p:spPr>
+      </p:pic>
+    </p:spTree>
+    <p:extLst>
+      <p:ext uri="{BB962C8B-B14F-4D97-AF65-F5344CB8AC3E}">
+        <p14:creationId xmlns:p14="http://schemas.microsoft.com/office/powerpoint/2010/main" val="2356249959"/>
+      </p:ext>
+    </p:extLst>
+  </p:cSld>
+  <p:clrMapOvr>
+    <a:masterClrMapping/>
+  </p:clrMapOvr>
+</p:sld>
+</file>
+
+<file path=ppt/slides/slide11.xml><?xml version="1.0" encoding="utf-8"?>
+<p:sld xmlns:a="http://schemas.openxmlformats.org/drawingml/2006/main" xmlns:r="http://schemas.openxmlformats.org/officeDocument/2006/relationships" xmlns:p="http://schemas.openxmlformats.org/presentationml/2006/main">
+  <p:cSld>
+    <p:spTree>
+      <p:nvGrpSpPr>
+        <p:cNvPr id="1" name=""/>
+        <p:cNvGrpSpPr/>
+        <p:nvPr/>
+      </p:nvGrpSpPr>
+      <p:grpSpPr>
+        <a:xfrm>
+          <a:off x="0" y="0"/>
+          <a:ext cx="0" cy="0"/>
+          <a:chOff x="0" y="0"/>
+          <a:chExt cx="0" cy="0"/>
+        </a:xfrm>
+      </p:grpSpPr>
+      <p:sp>
+        <p:nvSpPr>
           <p:cNvPr id="2" name="TextBox 1">
             <a:extLst>
               <a:ext uri="{FF2B5EF4-FFF2-40B4-BE49-F238E27FC236}">
@@ -16690,6 +16933,104 @@
       </p:grpSpPr>
       <p:sp>
         <p:nvSpPr>
+          <p:cNvPr id="2" name="Title 1">
+            <a:extLst>
+              <a:ext uri="{FF2B5EF4-FFF2-40B4-BE49-F238E27FC236}">
+                <a16:creationId xmlns:a16="http://schemas.microsoft.com/office/drawing/2014/main" id="{1FECE554-44A3-4C95-BEAD-CFA3D93597BB}"/>
+              </a:ext>
+            </a:extLst>
+          </p:cNvPr>
+          <p:cNvSpPr>
+            <a:spLocks noGrp="1"/>
+          </p:cNvSpPr>
+          <p:nvPr>
+            <p:ph type="title"/>
+          </p:nvPr>
+        </p:nvSpPr>
+        <p:spPr/>
+        <p:txBody>
+          <a:bodyPr/>
+          <a:lstStyle/>
+          <a:p>
+            <a:r>
+              <a:rPr lang="en-IN" dirty="0"/>
+              <a:t>About WellScan</a:t>
+            </a:r>
+          </a:p>
+        </p:txBody>
+      </p:sp>
+      <p:sp>
+        <p:nvSpPr>
+          <p:cNvPr id="3" name="Content Placeholder 2">
+            <a:extLst>
+              <a:ext uri="{FF2B5EF4-FFF2-40B4-BE49-F238E27FC236}">
+                <a16:creationId xmlns:a16="http://schemas.microsoft.com/office/drawing/2014/main" id="{7D333BC5-071A-4DED-8FED-4D3DF81E35FA}"/>
+              </a:ext>
+            </a:extLst>
+          </p:cNvPr>
+          <p:cNvSpPr>
+            <a:spLocks noGrp="1"/>
+          </p:cNvSpPr>
+          <p:nvPr>
+            <p:ph idx="1"/>
+          </p:nvPr>
+        </p:nvSpPr>
+        <p:spPr>
+          <a:xfrm>
+            <a:off x="5910127" y="0"/>
+            <a:ext cx="6281873" cy="6858000"/>
+          </a:xfrm>
+        </p:spPr>
+        <p:txBody>
+          <a:bodyPr>
+            <a:normAutofit/>
+          </a:bodyPr>
+          <a:lstStyle/>
+          <a:p>
+            <a:pPr marL="0" indent="0">
+              <a:buNone/>
+            </a:pPr>
+            <a:r>
+              <a:rPr lang="en-IN" sz="2400" dirty="0">
+                <a:latin typeface="Bahnschrift" panose="020B0502040204020203" pitchFamily="34" charset="0"/>
+              </a:rPr>
+              <a:t>WellScan has many purposes, but its most important and significant one is making the process of storing a patient’s data easy for the doctors. Hence, the website is extremely user-friendly. Our target audience are hospital employees who observe critically ill patients admitted in the ICU. Doctors can also use this to give a efficient diagnosis on based on the generated graphs. </a:t>
+            </a:r>
+          </a:p>
+        </p:txBody>
+      </p:sp>
+    </p:spTree>
+    <p:extLst>
+      <p:ext uri="{BB962C8B-B14F-4D97-AF65-F5344CB8AC3E}">
+        <p14:creationId xmlns:p14="http://schemas.microsoft.com/office/powerpoint/2010/main" val="2908963727"/>
+      </p:ext>
+    </p:extLst>
+  </p:cSld>
+  <p:clrMapOvr>
+    <a:masterClrMapping/>
+  </p:clrMapOvr>
+</p:sld>
+</file>
+
+<file path=ppt/slides/slide4.xml><?xml version="1.0" encoding="utf-8"?>
+<p:sld xmlns:a="http://schemas.openxmlformats.org/drawingml/2006/main" xmlns:r="http://schemas.openxmlformats.org/officeDocument/2006/relationships" xmlns:p="http://schemas.openxmlformats.org/presentationml/2006/main">
+  <p:cSld>
+    <p:spTree>
+      <p:nvGrpSpPr>
+        <p:cNvPr id="1" name=""/>
+        <p:cNvGrpSpPr/>
+        <p:nvPr/>
+      </p:nvGrpSpPr>
+      <p:grpSpPr>
+        <a:xfrm>
+          <a:off x="0" y="0"/>
+          <a:ext cx="0" cy="0"/>
+          <a:chOff x="0" y="0"/>
+          <a:chExt cx="0" cy="0"/>
+        </a:xfrm>
+      </p:grpSpPr>
+      <p:sp>
+        <p:nvSpPr>
           <p:cNvPr id="9" name="Title 8">
             <a:extLst>
               <a:ext uri="{FF2B5EF4-FFF2-40B4-BE49-F238E27FC236}">
@@ -16851,7 +17192,7 @@
 </p:sld>
 </file>
 
-<file path=ppt/slides/slide4.xml><?xml version="1.0" encoding="utf-8"?>
+<file path=ppt/slides/slide5.xml><?xml version="1.0" encoding="utf-8"?>
 <p:sld xmlns:a="http://schemas.openxmlformats.org/drawingml/2006/main" xmlns:r="http://schemas.openxmlformats.org/officeDocument/2006/relationships" xmlns:p="http://schemas.openxmlformats.org/presentationml/2006/main">
   <p:cSld>
     <p:spTree>
@@ -17128,7 +17469,7 @@
 </p:sld>
 </file>
 
-<file path=ppt/slides/slide5.xml><?xml version="1.0" encoding="utf-8"?>
+<file path=ppt/slides/slide6.xml><?xml version="1.0" encoding="utf-8"?>
 <p:sld xmlns:a="http://schemas.openxmlformats.org/drawingml/2006/main" xmlns:r="http://schemas.openxmlformats.org/officeDocument/2006/relationships" xmlns:p="http://schemas.openxmlformats.org/presentationml/2006/main">
   <p:cSld>
     <p:spTree>
@@ -17382,7 +17723,7 @@
 </p:sld>
 </file>
 
-<file path=ppt/slides/slide6.xml><?xml version="1.0" encoding="utf-8"?>
+<file path=ppt/slides/slide7.xml><?xml version="1.0" encoding="utf-8"?>
 <p:sld xmlns:a="http://schemas.openxmlformats.org/drawingml/2006/main" xmlns:r="http://schemas.openxmlformats.org/officeDocument/2006/relationships" xmlns:p="http://schemas.openxmlformats.org/presentationml/2006/main">
   <p:cSld>
     <p:spTree>
@@ -17652,7 +17993,7 @@
 </p:sld>
 </file>
 
-<file path=ppt/slides/slide7.xml><?xml version="1.0" encoding="utf-8"?>
+<file path=ppt/slides/slide8.xml><?xml version="1.0" encoding="utf-8"?>
 <p:sld xmlns:a="http://schemas.openxmlformats.org/drawingml/2006/main" xmlns:r="http://schemas.openxmlformats.org/officeDocument/2006/relationships" xmlns:p="http://schemas.openxmlformats.org/presentationml/2006/main">
   <p:cSld>
     <p:spTree>
@@ -17853,7 +18194,7 @@
 </p:sld>
 </file>
 
-<file path=ppt/slides/slide8.xml><?xml version="1.0" encoding="utf-8"?>
+<file path=ppt/slides/slide9.xml><?xml version="1.0" encoding="utf-8"?>
 <p:sld xmlns:a="http://schemas.openxmlformats.org/drawingml/2006/main" xmlns:r="http://schemas.openxmlformats.org/officeDocument/2006/relationships" xmlns:p="http://schemas.openxmlformats.org/presentationml/2006/main">
   <p:cSld>
     <p:spTree>
@@ -18090,248 +18431,6 @@
     <p:extLst>
       <p:ext uri="{BB962C8B-B14F-4D97-AF65-F5344CB8AC3E}">
         <p14:creationId xmlns:p14="http://schemas.microsoft.com/office/powerpoint/2010/main" val="594477067"/>
-      </p:ext>
-    </p:extLst>
-  </p:cSld>
-  <p:clrMapOvr>
-    <a:masterClrMapping/>
-  </p:clrMapOvr>
-</p:sld>
-</file>
-
-<file path=ppt/slides/slide9.xml><?xml version="1.0" encoding="utf-8"?>
-<p:sld xmlns:a="http://schemas.openxmlformats.org/drawingml/2006/main" xmlns:r="http://schemas.openxmlformats.org/officeDocument/2006/relationships" xmlns:p="http://schemas.openxmlformats.org/presentationml/2006/main">
-  <p:cSld>
-    <p:spTree>
-      <p:nvGrpSpPr>
-        <p:cNvPr id="1" name=""/>
-        <p:cNvGrpSpPr/>
-        <p:nvPr/>
-      </p:nvGrpSpPr>
-      <p:grpSpPr>
-        <a:xfrm>
-          <a:off x="0" y="0"/>
-          <a:ext cx="0" cy="0"/>
-          <a:chOff x="0" y="0"/>
-          <a:chExt cx="0" cy="0"/>
-        </a:xfrm>
-      </p:grpSpPr>
-      <p:sp>
-        <p:nvSpPr>
-          <p:cNvPr id="2" name="Title 1">
-            <a:extLst>
-              <a:ext uri="{FF2B5EF4-FFF2-40B4-BE49-F238E27FC236}">
-                <a16:creationId xmlns:a16="http://schemas.microsoft.com/office/drawing/2014/main" id="{EB81F701-CC55-4E37-9CA0-BD220F5A74C2}"/>
-              </a:ext>
-            </a:extLst>
-          </p:cNvPr>
-          <p:cNvSpPr>
-            <a:spLocks noGrp="1"/>
-          </p:cNvSpPr>
-          <p:nvPr>
-            <p:ph type="title"/>
-          </p:nvPr>
-        </p:nvSpPr>
-        <p:spPr>
-          <a:xfrm>
-            <a:off x="-868451" y="1803078"/>
-            <a:ext cx="366428" cy="267769"/>
-          </a:xfrm>
-        </p:spPr>
-        <p:txBody>
-          <a:bodyPr>
-            <a:normAutofit fontScale="90000"/>
-          </a:bodyPr>
-          <a:lstStyle/>
-          <a:p>
-            <a:r>
-              <a:rPr lang="en-US" dirty="0"/>
-              <a:t> </a:t>
-            </a:r>
-            <a:endParaRPr lang="en-IN" dirty="0"/>
-          </a:p>
-        </p:txBody>
-      </p:sp>
-      <p:sp>
-        <p:nvSpPr>
-          <p:cNvPr id="3" name="Content Placeholder 2">
-            <a:extLst>
-              <a:ext uri="{FF2B5EF4-FFF2-40B4-BE49-F238E27FC236}">
-                <a16:creationId xmlns:a16="http://schemas.microsoft.com/office/drawing/2014/main" id="{E0299159-B267-4E32-AB8A-572F8E43C4F2}"/>
-              </a:ext>
-            </a:extLst>
-          </p:cNvPr>
-          <p:cNvSpPr>
-            <a:spLocks noGrp="1"/>
-          </p:cNvSpPr>
-          <p:nvPr>
-            <p:ph idx="1"/>
-          </p:nvPr>
-        </p:nvSpPr>
-        <p:spPr>
-          <a:xfrm>
-            <a:off x="5674659" y="0"/>
-            <a:ext cx="6517341" cy="6858000"/>
-          </a:xfrm>
-        </p:spPr>
-        <p:txBody>
-          <a:bodyPr>
-            <a:normAutofit fontScale="70000" lnSpcReduction="20000"/>
-          </a:bodyPr>
-          <a:lstStyle/>
-          <a:p>
-            <a:pPr marL="0" indent="0">
-              <a:buNone/>
-            </a:pPr>
-            <a:r>
-              <a:rPr lang="en-US" dirty="0">
-                <a:latin typeface="Bahnschrift" panose="020B0502040204020203" pitchFamily="34" charset="0"/>
-              </a:rPr>
-              <a:t>		     Graph Page Pt. 3</a:t>
-            </a:r>
-          </a:p>
-          <a:p>
-            <a:pPr marL="0" indent="0">
-              <a:buNone/>
-            </a:pPr>
-            <a:r>
-              <a:rPr lang="en-US" dirty="0">
-                <a:latin typeface="Bahnschrift" panose="020B0502040204020203" pitchFamily="34" charset="0"/>
-              </a:rPr>
-              <a:t>-------------------------------------------------------------------------------</a:t>
-            </a:r>
-          </a:p>
-          <a:p>
-            <a:pPr>
-              <a:buFontTx/>
-              <a:buChar char="-"/>
-            </a:pPr>
-            <a:r>
-              <a:rPr lang="en-US" dirty="0">
-                <a:latin typeface="Bahnschrift" panose="020B0502040204020203" pitchFamily="34" charset="0"/>
-              </a:rPr>
-              <a:t>After the both arrays are sorted, we create the graphs using Chart.JS</a:t>
-            </a:r>
-          </a:p>
-          <a:p>
-            <a:pPr>
-              <a:buFontTx/>
-              <a:buChar char="-"/>
-            </a:pPr>
-            <a:r>
-              <a:rPr lang="en-US" dirty="0">
-                <a:latin typeface="Bahnschrift" panose="020B0502040204020203" pitchFamily="34" charset="0"/>
-              </a:rPr>
-              <a:t>In the canvas tags, we create combo graphs of the inputted details over the time inputted. A combo graph is a bar graph and a line graph. They graphs are generated beside each other</a:t>
-            </a:r>
-          </a:p>
-          <a:p>
-            <a:pPr>
-              <a:buFontTx/>
-              <a:buChar char="-"/>
-            </a:pPr>
-            <a:r>
-              <a:rPr lang="en-US" dirty="0">
-                <a:latin typeface="Bahnschrift" panose="020B0502040204020203" pitchFamily="34" charset="0"/>
-              </a:rPr>
-              <a:t>Firstly we create a new Chart object using the Chart.JS module. In the object, we first specify the default type as line so that a line graph is generated. Then we provide the data which is the time, blood pressure, pulse and oral N.G. After creating the line graphs, we create bar graphs by overriding the default type by explicitly declaring the type to be bar. We pass in the same data as the line graph.</a:t>
-            </a:r>
-          </a:p>
-          <a:p>
-            <a:pPr>
-              <a:buFontTx/>
-              <a:buChar char="-"/>
-            </a:pPr>
-            <a:r>
-              <a:rPr lang="en-US" dirty="0">
-                <a:latin typeface="Bahnschrift" panose="020B0502040204020203" pitchFamily="34" charset="0"/>
-              </a:rPr>
-              <a:t>After providing all details, we change the height, width, padding and the left margin of the graph. Finally, we call the update function of the Chart object so that the chart can be seen/updated</a:t>
-            </a:r>
-          </a:p>
-          <a:p>
-            <a:pPr>
-              <a:buFontTx/>
-              <a:buChar char="-"/>
-            </a:pPr>
-            <a:r>
-              <a:rPr lang="en-IN" dirty="0">
-                <a:latin typeface="Bahnschrift" panose="020B0502040204020203" pitchFamily="34" charset="0"/>
-              </a:rPr>
-              <a:t>For the output graph, we follow the same steps but simply provide different data which is urine, stool, vomit and suction. Then we change the height, width, padding and the left margin of the graph and update the chart.</a:t>
-            </a:r>
-          </a:p>
-          <a:p>
-            <a:pPr>
-              <a:buFontTx/>
-              <a:buChar char="-"/>
-            </a:pPr>
-            <a:r>
-              <a:rPr lang="en-IN" dirty="0">
-                <a:latin typeface="Bahnschrift" panose="020B0502040204020203" pitchFamily="34" charset="0"/>
-              </a:rPr>
-              <a:t>On the bottom of the page, the doctors can view the last recorded details. We get the information by iterating through the documents and displaying the information directly.</a:t>
-            </a:r>
-          </a:p>
-          <a:p>
-            <a:pPr>
-              <a:buFontTx/>
-              <a:buChar char="-"/>
-            </a:pPr>
-            <a:r>
-              <a:rPr lang="en-IN" dirty="0">
-                <a:latin typeface="Bahnschrift" panose="020B0502040204020203" pitchFamily="34" charset="0"/>
-              </a:rPr>
-              <a:t>There is also a ‘Remove Patient’ button which the doctor can use to delete the patient. We have setup an event listener for the button which, on being clicked, iterates through the collection. When a collection is found in which the documents containing the first and last name of the patient are equal to the first and last name of the current patient, we delete the collection from </a:t>
-            </a:r>
-            <a:br>
-              <a:rPr lang="en-IN" dirty="0">
-                <a:latin typeface="Bahnschrift" panose="020B0502040204020203" pitchFamily="34" charset="0"/>
-              </a:rPr>
-            </a:br>
-            <a:r>
-              <a:rPr lang="en-IN" dirty="0">
-                <a:latin typeface="Bahnschrift" panose="020B0502040204020203" pitchFamily="34" charset="0"/>
-              </a:rPr>
-              <a:t>“patients” as well as from the “innerhtml” collection</a:t>
-            </a:r>
-          </a:p>
-        </p:txBody>
-      </p:sp>
-      <p:pic>
-        <p:nvPicPr>
-          <p:cNvPr id="9" name="Picture 8">
-            <a:extLst>
-              <a:ext uri="{FF2B5EF4-FFF2-40B4-BE49-F238E27FC236}">
-                <a16:creationId xmlns:a16="http://schemas.microsoft.com/office/drawing/2014/main" id="{2E17D907-8352-452D-A1C3-655E0ACDBF78}"/>
-              </a:ext>
-            </a:extLst>
-          </p:cNvPr>
-          <p:cNvPicPr>
-            <a:picLocks noChangeAspect="1"/>
-          </p:cNvPicPr>
-          <p:nvPr/>
-        </p:nvPicPr>
-        <p:blipFill>
-          <a:blip r:embed="rId2"/>
-          <a:stretch>
-            <a:fillRect/>
-          </a:stretch>
-        </p:blipFill>
-        <p:spPr>
-          <a:xfrm>
-            <a:off x="0" y="1555962"/>
-            <a:ext cx="5674659" cy="3831826"/>
-          </a:xfrm>
-          <a:prstGeom prst="rect">
-            <a:avLst/>
-          </a:prstGeom>
-        </p:spPr>
-      </p:pic>
-    </p:spTree>
-    <p:extLst>
-      <p:ext uri="{BB962C8B-B14F-4D97-AF65-F5344CB8AC3E}">
-        <p14:creationId xmlns:p14="http://schemas.microsoft.com/office/powerpoint/2010/main" val="2356249959"/>
       </p:ext>
     </p:extLst>
   </p:cSld>

--- a/PresentationPPT/WellScanPresentation.pptx
+++ b/PresentationPPT/WellScanPresentation.pptx
@@ -17151,10 +17151,10 @@
       </p:sp>
       <p:pic>
         <p:nvPicPr>
-          <p:cNvPr id="3" name="Picture 2">
+          <p:cNvPr id="4" name="Picture 3">
             <a:extLst>
               <a:ext uri="{FF2B5EF4-FFF2-40B4-BE49-F238E27FC236}">
-                <a16:creationId xmlns:a16="http://schemas.microsoft.com/office/drawing/2014/main" id="{B7B4BC0D-76E8-4BC3-A9AB-6465ACE2211D}"/>
+                <a16:creationId xmlns:a16="http://schemas.microsoft.com/office/drawing/2014/main" id="{7139F3E5-B42A-4624-900F-FD5AD30FBE4E}"/>
               </a:ext>
             </a:extLst>
           </p:cNvPr>
@@ -17171,8 +17171,8 @@
         </p:blipFill>
         <p:spPr>
           <a:xfrm>
-            <a:off x="-1" y="1577788"/>
-            <a:ext cx="5486401" cy="3558989"/>
+            <a:off x="0" y="1499347"/>
+            <a:ext cx="5567083" cy="3859306"/>
           </a:xfrm>
           <a:prstGeom prst="rect">
             <a:avLst/>
@@ -17381,10 +17381,10 @@
       </p:sp>
       <p:pic>
         <p:nvPicPr>
-          <p:cNvPr id="5" name="Picture 4">
+          <p:cNvPr id="6" name="Picture 5">
             <a:extLst>
               <a:ext uri="{FF2B5EF4-FFF2-40B4-BE49-F238E27FC236}">
-                <a16:creationId xmlns:a16="http://schemas.microsoft.com/office/drawing/2014/main" id="{DBCDFBEA-182A-47E0-AC2B-3F5922DD1AE1}"/>
+                <a16:creationId xmlns:a16="http://schemas.microsoft.com/office/drawing/2014/main" id="{0EA4EEA6-5D15-428C-A2A1-79F877FDB9AC}"/>
               </a:ext>
             </a:extLst>
           </p:cNvPr>
@@ -17411,49 +17411,32 @@
       </p:pic>
       <p:pic>
         <p:nvPicPr>
-          <p:cNvPr id="1026" name="Picture 2">
+          <p:cNvPr id="8" name="Picture 7">
             <a:extLst>
               <a:ext uri="{FF2B5EF4-FFF2-40B4-BE49-F238E27FC236}">
-                <a16:creationId xmlns:a16="http://schemas.microsoft.com/office/drawing/2014/main" id="{C17E24E7-9159-4886-A09D-56AEF48B3A34}"/>
+                <a16:creationId xmlns:a16="http://schemas.microsoft.com/office/drawing/2014/main" id="{59CED46A-B2FA-46C3-BE15-15511EDA7B55}"/>
               </a:ext>
             </a:extLst>
           </p:cNvPr>
           <p:cNvPicPr>
-            <a:picLocks noChangeAspect="1" noChangeArrowheads="1"/>
+            <a:picLocks noChangeAspect="1"/>
           </p:cNvPicPr>
           <p:nvPr/>
         </p:nvPicPr>
         <p:blipFill>
-          <a:blip r:embed="rId3">
-            <a:extLst>
-              <a:ext uri="{28A0092B-C50C-407E-A947-70E740481C1C}">
-                <a14:useLocalDpi xmlns:a14="http://schemas.microsoft.com/office/drawing/2010/main" val="0"/>
-              </a:ext>
-            </a:extLst>
-          </a:blip>
-          <a:srcRect/>
+          <a:blip r:embed="rId3"/>
           <a:stretch>
             <a:fillRect/>
           </a:stretch>
         </p:blipFill>
-        <p:spPr bwMode="auto">
+        <p:spPr>
           <a:xfrm>
             <a:off x="-1" y="3316941"/>
-            <a:ext cx="6096001" cy="3541059"/>
+            <a:ext cx="6096001" cy="3540250"/>
           </a:xfrm>
           <a:prstGeom prst="rect">
             <a:avLst/>
           </a:prstGeom>
-          <a:noFill/>
-          <a:extLst>
-            <a:ext uri="{909E8E84-426E-40DD-AFC4-6F175D3DCCD1}">
-              <a14:hiddenFill xmlns:a14="http://schemas.microsoft.com/office/drawing/2010/main">
-                <a:solidFill>
-                  <a:srgbClr val="FFFFFF"/>
-                </a:solidFill>
-              </a14:hiddenFill>
-            </a:ext>
-          </a:extLst>
         </p:spPr>
       </p:pic>
     </p:spTree>

--- a/PresentationPPT/WellScanPresentation.pptx
+++ b/PresentationPPT/WellScanPresentation.pptx
@@ -17151,10 +17151,10 @@
       </p:sp>
       <p:pic>
         <p:nvPicPr>
-          <p:cNvPr id="4" name="Picture 3">
+          <p:cNvPr id="3" name="Picture 2">
             <a:extLst>
               <a:ext uri="{FF2B5EF4-FFF2-40B4-BE49-F238E27FC236}">
-                <a16:creationId xmlns:a16="http://schemas.microsoft.com/office/drawing/2014/main" id="{7139F3E5-B42A-4624-900F-FD5AD30FBE4E}"/>
+                <a16:creationId xmlns:a16="http://schemas.microsoft.com/office/drawing/2014/main" id="{83BB1388-D173-4FCF-95F1-B7497E22563B}"/>
               </a:ext>
             </a:extLst>
           </p:cNvPr>
@@ -17171,8 +17171,8 @@
         </p:blipFill>
         <p:spPr>
           <a:xfrm>
-            <a:off x="0" y="1499347"/>
-            <a:ext cx="5567083" cy="3859306"/>
+            <a:off x="0" y="1326775"/>
+            <a:ext cx="5567083" cy="3845859"/>
           </a:xfrm>
           <a:prstGeom prst="rect">
             <a:avLst/>
@@ -17381,10 +17381,10 @@
       </p:sp>
       <p:pic>
         <p:nvPicPr>
-          <p:cNvPr id="6" name="Picture 5">
+          <p:cNvPr id="5" name="Picture 4">
             <a:extLst>
               <a:ext uri="{FF2B5EF4-FFF2-40B4-BE49-F238E27FC236}">
-                <a16:creationId xmlns:a16="http://schemas.microsoft.com/office/drawing/2014/main" id="{0EA4EEA6-5D15-428C-A2A1-79F877FDB9AC}"/>
+                <a16:creationId xmlns:a16="http://schemas.microsoft.com/office/drawing/2014/main" id="{826D4B3E-78E1-4EDD-BF7D-8828D25AE777}"/>
               </a:ext>
             </a:extLst>
           </p:cNvPr>
@@ -17401,8 +17401,8 @@
         </p:blipFill>
         <p:spPr>
           <a:xfrm>
-            <a:off x="-1" y="0"/>
-            <a:ext cx="6096001" cy="3316941"/>
+            <a:off x="0" y="0"/>
+            <a:ext cx="6096000" cy="3317750"/>
           </a:xfrm>
           <a:prstGeom prst="rect">
             <a:avLst/>
@@ -17411,10 +17411,10 @@
       </p:pic>
       <p:pic>
         <p:nvPicPr>
-          <p:cNvPr id="8" name="Picture 7">
+          <p:cNvPr id="9" name="Picture 8">
             <a:extLst>
               <a:ext uri="{FF2B5EF4-FFF2-40B4-BE49-F238E27FC236}">
-                <a16:creationId xmlns:a16="http://schemas.microsoft.com/office/drawing/2014/main" id="{59CED46A-B2FA-46C3-BE15-15511EDA7B55}"/>
+                <a16:creationId xmlns:a16="http://schemas.microsoft.com/office/drawing/2014/main" id="{0A290644-F7BF-46B1-9B44-370CE48FC968}"/>
               </a:ext>
             </a:extLst>
           </p:cNvPr>
@@ -17431,8 +17431,8 @@
         </p:blipFill>
         <p:spPr>
           <a:xfrm>
-            <a:off x="-1" y="3316941"/>
-            <a:ext cx="6096001" cy="3540250"/>
+            <a:off x="-1" y="3317750"/>
+            <a:ext cx="6096000" cy="3575424"/>
           </a:xfrm>
           <a:prstGeom prst="rect">
             <a:avLst/>
